--- a/Capstone/Refugees in U.S.pptx
+++ b/Capstone/Refugees in U.S.pptx
@@ -5,10 +5,10 @@
     <p:sldMasterId id="2147483840" r:id="rId1"/>
   </p:sldMasterIdLst>
   <p:notesMasterIdLst>
-    <p:notesMasterId r:id="rId11"/>
+    <p:notesMasterId r:id="rId12"/>
   </p:notesMasterIdLst>
   <p:handoutMasterIdLst>
-    <p:handoutMasterId r:id="rId12"/>
+    <p:handoutMasterId r:id="rId13"/>
   </p:handoutMasterIdLst>
   <p:sldIdLst>
     <p:sldId id="256" r:id="rId2"/>
@@ -16,10 +16,11 @@
     <p:sldId id="266" r:id="rId4"/>
     <p:sldId id="258" r:id="rId5"/>
     <p:sldId id="260" r:id="rId6"/>
-    <p:sldId id="259" r:id="rId7"/>
-    <p:sldId id="261" r:id="rId8"/>
-    <p:sldId id="263" r:id="rId9"/>
-    <p:sldId id="262" r:id="rId10"/>
+    <p:sldId id="267" r:id="rId7"/>
+    <p:sldId id="259" r:id="rId8"/>
+    <p:sldId id="261" r:id="rId9"/>
+    <p:sldId id="263" r:id="rId10"/>
+    <p:sldId id="262" r:id="rId11"/>
   </p:sldIdLst>
   <p:sldSz cx="12192000" cy="6858000"/>
   <p:notesSz cx="6858000" cy="9144000"/>
@@ -2554,7 +2555,7 @@
           <a:p>
             <a:fld id="{DE71268B-8AC2-4239-8FAF-7C144C210720}" type="datetimeFigureOut">
               <a:rPr lang="en-US"/>
-              <a:t>6/26/2021</a:t>
+              <a:t>6/28/2021</a:t>
             </a:fld>
             <a:endParaRPr/>
           </a:p>
@@ -2719,7 +2720,7 @@
           <a:p>
             <a:fld id="{F5AD8362-6D63-40AC-BAA9-90C3AE6D5875}" type="datetimeFigureOut">
               <a:rPr lang="en-US"/>
-              <a:t>6/26/2021</a:t>
+              <a:t>6/28/2021</a:t>
             </a:fld>
             <a:endParaRPr/>
           </a:p>
@@ -3526,7 +3527,7 @@
           <a:p>
             <a:fld id="{5F4E5243-F52A-4D37-9694-EB26C6C31910}" type="datetime1">
               <a:rPr lang="en-US"/>
-              <a:t>6/26/2021</a:t>
+              <a:t>6/28/2021</a:t>
             </a:fld>
             <a:endParaRPr/>
           </a:p>
@@ -3722,7 +3723,7 @@
           <a:p>
             <a:fld id="{3A77B6E1-634A-48DC-9E8B-D894023267EF}" type="datetime1">
               <a:rPr lang="en-US"/>
-              <a:t>6/26/2021</a:t>
+              <a:t>6/28/2021</a:t>
             </a:fld>
             <a:endParaRPr/>
           </a:p>
@@ -3912,7 +3913,7 @@
           <a:p>
             <a:fld id="{7B2D3E9E-A95C-48F2-B4BF-A71542E0BE9A}" type="datetime1">
               <a:rPr lang="en-US"/>
-              <a:t>6/26/2021</a:t>
+              <a:t>6/28/2021</a:t>
             </a:fld>
             <a:endParaRPr/>
           </a:p>
@@ -4243,7 +4244,7 @@
           <a:p>
             <a:fld id="{A50F84E2-2D7A-43CF-AC90-352A289A783A}" type="datetime1">
               <a:rPr lang="en-US"/>
-              <a:t>6/26/2021</a:t>
+              <a:t>6/28/2021</a:t>
             </a:fld>
             <a:endParaRPr/>
           </a:p>
@@ -4551,7 +4552,7 @@
           <a:p>
             <a:fld id="{F12952B5-7A2F-4CC8-B7CE-9234E21C2837}" type="datetime1">
               <a:rPr lang="en-US"/>
-              <a:t>6/26/2021</a:t>
+              <a:t>6/28/2021</a:t>
             </a:fld>
             <a:endParaRPr/>
           </a:p>
@@ -4999,7 +5000,7 @@
           <a:p>
             <a:fld id="{CE1DA07A-9201-4B4B-BAF2-015AFA30F520}" type="datetime1">
               <a:rPr lang="en-US"/>
-              <a:t>6/26/2021</a:t>
+              <a:t>6/28/2021</a:t>
             </a:fld>
             <a:endParaRPr/>
           </a:p>
@@ -5133,7 +5134,7 @@
           <a:p>
             <a:fld id="{73D7E00A-486F-4252-8B1D-E32645521F49}" type="datetime1">
               <a:rPr lang="en-US"/>
-              <a:t>6/26/2021</a:t>
+              <a:t>6/28/2021</a:t>
             </a:fld>
             <a:endParaRPr/>
           </a:p>
@@ -5306,7 +5307,7 @@
           <a:p>
             <a:fld id="{8DDF5F92-E675-4B36-9A60-69A962A68675}" type="datetime1">
               <a:rPr lang="en-US"/>
-              <a:t>6/26/2021</a:t>
+              <a:t>6/28/2021</a:t>
             </a:fld>
             <a:endParaRPr/>
           </a:p>
@@ -5611,7 +5612,7 @@
           <a:p>
             <a:fld id="{AF6E2C9B-5FA2-460D-9BE7-B0812FC2A6FF}" type="datetime1">
               <a:rPr lang="en-US"/>
-              <a:t>6/26/2021</a:t>
+              <a:t>6/28/2021</a:t>
             </a:fld>
             <a:endParaRPr/>
           </a:p>
@@ -5901,7 +5902,7 @@
           <a:p>
             <a:fld id="{1D374940-A916-4C8B-9648-02A2D3898F9E}" type="datetime1">
               <a:rPr lang="en-US"/>
-              <a:t>6/26/2021</a:t>
+              <a:t>6/28/2021</a:t>
             </a:fld>
             <a:endParaRPr/>
           </a:p>
@@ -6348,7 +6349,7 @@
             <a:fld id="{5586B75A-687E-405C-8A0B-8D00578BA2C3}" type="datetime1">
               <a:rPr lang="en-US" smtClean="0"/>
               <a:pPr/>
-              <a:t>6/26/2021</a:t>
+              <a:t>6/28/2021</a:t>
             </a:fld>
             <a:endParaRPr lang="en-US"/>
           </a:p>
@@ -6790,7 +6791,15 @@
           <a:p>
             <a:r>
               <a:rPr lang="en-US" dirty="0"/>
-              <a:t>First Generation Refugee families in United States</a:t>
+              <a:t>First Generation </a:t>
+            </a:r>
+            <a:r>
+              <a:rPr lang="en-US"/>
+              <a:t>Refugee Families </a:t>
+            </a:r>
+            <a:r>
+              <a:rPr lang="en-US" dirty="0"/>
+              <a:t>in United States</a:t>
             </a:r>
           </a:p>
         </p:txBody>
@@ -6818,7 +6827,7 @@
           <a:p>
             <a:r>
               <a:rPr lang="en-US" dirty="0"/>
-              <a:t>Abdullah Hassan</a:t>
+              <a:t>By Abdullah Hassan</a:t>
             </a:r>
           </a:p>
         </p:txBody>
@@ -6827,6 +6836,195 @@
     <p:extLst>
       <p:ext uri="{BB962C8B-B14F-4D97-AF65-F5344CB8AC3E}">
         <p14:creationId xmlns:p14="http://schemas.microsoft.com/office/powerpoint/2010/main" val="1503902909"/>
+      </p:ext>
+    </p:extLst>
+  </p:cSld>
+  <p:clrMapOvr>
+    <a:masterClrMapping/>
+  </p:clrMapOvr>
+  <mc:AlternateContent xmlns:mc="http://schemas.openxmlformats.org/markup-compatibility/2006" xmlns:p14="http://schemas.microsoft.com/office/powerpoint/2010/main">
+    <mc:Choice Requires="p14">
+      <p:transition spd="med" p14:dur="700">
+        <p:fade/>
+      </p:transition>
+    </mc:Choice>
+    <mc:Fallback xmlns="">
+      <p:transition spd="med">
+        <p:fade/>
+      </p:transition>
+    </mc:Fallback>
+  </mc:AlternateContent>
+</p:sld>
+</file>
+
+<file path=ppt/slides/slide10.xml><?xml version="1.0" encoding="utf-8"?>
+<p:sld xmlns:a="http://schemas.openxmlformats.org/drawingml/2006/main" xmlns:r="http://schemas.openxmlformats.org/officeDocument/2006/relationships" xmlns:p="http://schemas.openxmlformats.org/presentationml/2006/main">
+  <p:cSld>
+    <p:spTree>
+      <p:nvGrpSpPr>
+        <p:cNvPr id="1" name=""/>
+        <p:cNvGrpSpPr/>
+        <p:nvPr/>
+      </p:nvGrpSpPr>
+      <p:grpSpPr>
+        <a:xfrm>
+          <a:off x="0" y="0"/>
+          <a:ext cx="0" cy="0"/>
+          <a:chOff x="0" y="0"/>
+          <a:chExt cx="0" cy="0"/>
+        </a:xfrm>
+      </p:grpSpPr>
+      <p:sp>
+        <p:nvSpPr>
+          <p:cNvPr id="6" name="Title 5"/>
+          <p:cNvSpPr>
+            <a:spLocks noGrp="1"/>
+          </p:cNvSpPr>
+          <p:nvPr>
+            <p:ph type="title" idx="4294967295"/>
+          </p:nvPr>
+        </p:nvSpPr>
+        <p:spPr>
+          <a:xfrm>
+            <a:off x="-233916" y="360806"/>
+            <a:ext cx="9509125" cy="1087437"/>
+          </a:xfrm>
+        </p:spPr>
+        <p:txBody>
+          <a:bodyPr/>
+          <a:lstStyle/>
+          <a:p>
+            <a:pPr algn="ctr"/>
+            <a:r>
+              <a:rPr lang="en-US" dirty="0"/>
+              <a:t>                             Reference &amp; Articles </a:t>
+            </a:r>
+          </a:p>
+        </p:txBody>
+      </p:sp>
+      <p:sp>
+        <p:nvSpPr>
+          <p:cNvPr id="4" name="Rectangle 3">
+            <a:extLst>
+              <a:ext uri="{FF2B5EF4-FFF2-40B4-BE49-F238E27FC236}">
+                <a16:creationId xmlns:a16="http://schemas.microsoft.com/office/drawing/2014/main" id="{7053917B-42E6-468F-B55B-693A7AB8442B}"/>
+              </a:ext>
+            </a:extLst>
+          </p:cNvPr>
+          <p:cNvSpPr/>
+          <p:nvPr/>
+        </p:nvSpPr>
+        <p:spPr>
+          <a:xfrm>
+            <a:off x="2404153" y="1945662"/>
+            <a:ext cx="7561780" cy="4247317"/>
+          </a:xfrm>
+          <a:prstGeom prst="rect">
+            <a:avLst/>
+          </a:prstGeom>
+        </p:spPr>
+        <p:txBody>
+          <a:bodyPr wrap="square">
+            <a:spAutoFit/>
+          </a:bodyPr>
+          <a:lstStyle/>
+          <a:p>
+            <a:pPr marL="285750" indent="-285750">
+              <a:buFont typeface="Arial" panose="020B0604020202020204" pitchFamily="34" charset="0"/>
+              <a:buChar char="•"/>
+            </a:pPr>
+            <a:r>
+              <a:rPr lang="en-US" dirty="0">
+                <a:hlinkClick r:id="rId2"/>
+              </a:rPr>
+              <a:t>https://www.wrapsnet.org/admissions-and-arrivals/</a:t>
+            </a:r>
+            <a:endParaRPr lang="en-US" dirty="0"/>
+          </a:p>
+          <a:p>
+            <a:pPr marL="285750" indent="-285750">
+              <a:buFont typeface="Arial" panose="020B0604020202020204" pitchFamily="34" charset="0"/>
+              <a:buChar char="•"/>
+            </a:pPr>
+            <a:r>
+              <a:rPr lang="en-US" dirty="0">
+                <a:hlinkClick r:id="rId3"/>
+              </a:rPr>
+              <a:t>https://www.migrationpolicy.org/proghttps://immigrationforum.org/article/fact-sheet-u-s-refugee-resettlement/rams/data-hub/charts/immigrant-population-over-time</a:t>
+            </a:r>
+            <a:endParaRPr lang="en-US" dirty="0"/>
+          </a:p>
+          <a:p>
+            <a:pPr marL="285750" indent="-285750">
+              <a:buFont typeface="Arial" panose="020B0604020202020204" pitchFamily="34" charset="0"/>
+              <a:buChar char="•"/>
+            </a:pPr>
+            <a:r>
+              <a:rPr lang="en-US" dirty="0">
+                <a:hlinkClick r:id="rId4"/>
+              </a:rPr>
+              <a:t>https://www.dhs.gov/immigration-statistics/refugees-asylees</a:t>
+            </a:r>
+            <a:endParaRPr lang="en-US" dirty="0"/>
+          </a:p>
+          <a:p>
+            <a:pPr marL="285750" indent="-285750">
+              <a:buFont typeface="Arial" panose="020B0604020202020204" pitchFamily="34" charset="0"/>
+              <a:buChar char="•"/>
+            </a:pPr>
+            <a:r>
+              <a:rPr lang="en-US" dirty="0">
+                <a:hlinkClick r:id="rId5"/>
+              </a:rPr>
+              <a:t>https://www.weforum.org/agenda/2019/06/canada-now-leads-the-world-in-refugee-resettlement-surpassing-the-u-s/</a:t>
+            </a:r>
+            <a:endParaRPr lang="en-US" dirty="0">
+              <a:hlinkClick r:id="rId6"/>
+            </a:endParaRPr>
+          </a:p>
+          <a:p>
+            <a:pPr marL="285750" indent="-285750">
+              <a:buFont typeface="Arial" panose="020B0604020202020204" pitchFamily="34" charset="0"/>
+              <a:buChar char="•"/>
+            </a:pPr>
+            <a:r>
+              <a:rPr lang="en-US" dirty="0">
+                <a:hlinkClick r:id="rId6"/>
+              </a:rPr>
+              <a:t>https://refugees.org/as-a-former-refugee-i-am-part-of-americas-story/</a:t>
+            </a:r>
+            <a:endParaRPr lang="en-US" dirty="0"/>
+          </a:p>
+          <a:p>
+            <a:pPr marL="285750" indent="-285750">
+              <a:buFont typeface="Arial" panose="020B0604020202020204" pitchFamily="34" charset="0"/>
+              <a:buChar char="•"/>
+            </a:pPr>
+            <a:r>
+              <a:rPr lang="en-US" dirty="0">
+                <a:hlinkClick r:id="rId7"/>
+              </a:rPr>
+              <a:t>https://www.weforum.org/agenda/2019/01/from-a-refugee-camp-to-davos-one-co-chair-s-story</a:t>
+            </a:r>
+            <a:endParaRPr lang="en-US" dirty="0"/>
+          </a:p>
+          <a:p>
+            <a:pPr algn="ctr"/>
+            <a:endParaRPr lang="en-US" sz="3600" dirty="0"/>
+          </a:p>
+          <a:p>
+            <a:pPr algn="ctr"/>
+            <a:r>
+              <a:rPr lang="en-US" sz="3600" dirty="0"/>
+              <a:t>Thank you!</a:t>
+            </a:r>
+          </a:p>
+        </p:txBody>
+      </p:sp>
+    </p:spTree>
+    <p:extLst>
+      <p:ext uri="{BB962C8B-B14F-4D97-AF65-F5344CB8AC3E}">
+        <p14:creationId xmlns:p14="http://schemas.microsoft.com/office/powerpoint/2010/main" val="212726890"/>
       </p:ext>
     </p:extLst>
   </p:cSld>
@@ -6880,7 +7078,7 @@
           <a:bodyPr/>
           <a:lstStyle/>
           <a:p>
-            <a:pPr fontAlgn="base"/>
+            <a:pPr algn="ctr" fontAlgn="base"/>
             <a:r>
               <a:rPr lang="en-US" b="1" dirty="0"/>
               <a:t>Context, Motivation, Method</a:t>
@@ -6901,8 +7099,8 @@
         </p:nvSpPr>
         <p:spPr>
           <a:xfrm>
-            <a:off x="1341120" y="1572769"/>
-            <a:ext cx="9509760" cy="2967334"/>
+            <a:off x="1341120" y="1572768"/>
+            <a:ext cx="9509760" cy="4296403"/>
           </a:xfrm>
         </p:spPr>
         <p:txBody>
@@ -6921,7 +7119,7 @@
             <a:pPr fontAlgn="base"/>
             <a:r>
               <a:rPr lang="en-US" dirty="0"/>
-              <a:t>Due to a well-founded fear for life, a Refugee flees his/her country of origin.</a:t>
+              <a:t>Due to increase in Conflict, violence, persecution and human rights violations.</a:t>
             </a:r>
           </a:p>
           <a:p>
@@ -6935,7 +7133,7 @@
             <a:pPr fontAlgn="base"/>
             <a:r>
               <a:rPr lang="en-US" dirty="0"/>
-              <a:t>I’m a lucky Refugee immigrant who came to America in the 2004 as a Child.</a:t>
+              <a:t>I’m one of lucky Somali Refugees that resettled in U.S(2004) as a Child.</a:t>
             </a:r>
           </a:p>
           <a:p>
@@ -6944,6 +7142,31 @@
               <a:rPr lang="en-US" dirty="0"/>
               <a:t>Data Analysis Method- Get Data-Cleaning and visuals in Excel &amp; Power Bi.</a:t>
             </a:r>
+          </a:p>
+          <a:p>
+            <a:pPr marL="45720" indent="0" fontAlgn="base">
+              <a:buNone/>
+            </a:pPr>
+            <a:endParaRPr lang="en-US" dirty="0"/>
+          </a:p>
+          <a:p>
+            <a:pPr marL="45720" indent="0" fontAlgn="base">
+              <a:buNone/>
+            </a:pPr>
+            <a:r>
+              <a:rPr lang="en-US" dirty="0">
+                <a:solidFill>
+                  <a:srgbClr val="00B0F0"/>
+                </a:solidFill>
+              </a:rPr>
+              <a:t>“Only leave home when a home doesn’t let you stay.”-Somali poet Warsan Shire</a:t>
+            </a:r>
+          </a:p>
+          <a:p>
+            <a:pPr marL="45720" indent="0" fontAlgn="base">
+              <a:buNone/>
+            </a:pPr>
+            <a:endParaRPr lang="en-US" dirty="0"/>
           </a:p>
         </p:txBody>
       </p:sp>
@@ -7005,7 +7228,12 @@
             <p:ph type="title"/>
           </p:nvPr>
         </p:nvSpPr>
-        <p:spPr/>
+        <p:spPr>
+          <a:xfrm>
+            <a:off x="1523999" y="265176"/>
+            <a:ext cx="9509759" cy="1088136"/>
+          </a:xfrm>
+        </p:spPr>
         <p:txBody>
           <a:bodyPr>
             <a:normAutofit fontScale="90000"/>
@@ -7042,7 +7270,7 @@
         <p:spPr>
           <a:xfrm>
             <a:off x="6278879" y="2048255"/>
-            <a:ext cx="4572000" cy="2838894"/>
+            <a:ext cx="4572000" cy="3916610"/>
           </a:xfrm>
         </p:spPr>
         <p:txBody>
@@ -7072,6 +7300,12 @@
             <a:r>
               <a:rPr lang="en-US" dirty="0"/>
               <a:t>One 1% get to resettle in third country like U.S for Opportunities.</a:t>
+            </a:r>
+          </a:p>
+          <a:p>
+            <a:r>
+              <a:rPr lang="en-US" dirty="0"/>
+              <a:t>Since 1980, the U.S. has resettled more refugees than other country.</a:t>
             </a:r>
           </a:p>
           <a:p>
@@ -7167,6 +7401,7 @@
           </a:bodyPr>
           <a:lstStyle/>
           <a:p>
+            <a:pPr algn="ctr"/>
             <a:r>
               <a:rPr lang="en-US" dirty="0"/>
               <a:t>U.S. Refugee Ceiling &amp; Resettlement 1980-2020</a:t>
@@ -7283,7 +7518,7 @@
         <p:spPr>
           <a:xfrm>
             <a:off x="713799" y="1615299"/>
-            <a:ext cx="4572000" cy="4142232"/>
+            <a:ext cx="4572000" cy="3743510"/>
           </a:xfrm>
         </p:spPr>
         <p:txBody>
@@ -7310,7 +7545,7 @@
           <a:p>
             <a:r>
               <a:rPr lang="en-US" dirty="0"/>
-              <a:t>Once approved with Flight Booked. </a:t>
+              <a:t>Only some are approved to resettle. </a:t>
             </a:r>
           </a:p>
           <a:p>
@@ -7402,6 +7637,169 @@
       </p:grpSpPr>
       <p:sp>
         <p:nvSpPr>
+          <p:cNvPr id="2" name="Title 1">
+            <a:extLst>
+              <a:ext uri="{FF2B5EF4-FFF2-40B4-BE49-F238E27FC236}">
+                <a16:creationId xmlns:a16="http://schemas.microsoft.com/office/drawing/2014/main" id="{613D1C54-6CBD-4CCD-9E82-897265F1535E}"/>
+              </a:ext>
+            </a:extLst>
+          </p:cNvPr>
+          <p:cNvSpPr>
+            <a:spLocks noGrp="1"/>
+          </p:cNvSpPr>
+          <p:nvPr>
+            <p:ph type="title"/>
+          </p:nvPr>
+        </p:nvSpPr>
+        <p:spPr>
+          <a:xfrm>
+            <a:off x="1341121" y="265176"/>
+            <a:ext cx="9509758" cy="1088136"/>
+          </a:xfrm>
+        </p:spPr>
+        <p:txBody>
+          <a:bodyPr/>
+          <a:lstStyle/>
+          <a:p>
+            <a:pPr algn="ctr"/>
+            <a:r>
+              <a:rPr lang="en-US" dirty="0"/>
+              <a:t>          U.S. refugee resettlement drop</a:t>
+            </a:r>
+          </a:p>
+        </p:txBody>
+      </p:sp>
+      <p:pic>
+        <p:nvPicPr>
+          <p:cNvPr id="7" name="Content Placeholder 6" descr="Chart, line chart&#10;&#10;Description automatically generated">
+            <a:extLst>
+              <a:ext uri="{FF2B5EF4-FFF2-40B4-BE49-F238E27FC236}">
+                <a16:creationId xmlns:a16="http://schemas.microsoft.com/office/drawing/2014/main" id="{D17B57ED-AD99-4E1A-8B00-D6ADDD1722B7}"/>
+              </a:ext>
+            </a:extLst>
+          </p:cNvPr>
+          <p:cNvPicPr>
+            <a:picLocks noGrp="1" noChangeAspect="1"/>
+          </p:cNvPicPr>
+          <p:nvPr>
+            <p:ph idx="1"/>
+          </p:nvPr>
+        </p:nvPicPr>
+        <p:blipFill>
+          <a:blip r:embed="rId2"/>
+          <a:stretch>
+            <a:fillRect/>
+          </a:stretch>
+        </p:blipFill>
+        <p:spPr>
+          <a:xfrm>
+            <a:off x="1341119" y="1353311"/>
+            <a:ext cx="9509759" cy="3962171"/>
+          </a:xfrm>
+        </p:spPr>
+      </p:pic>
+      <p:sp>
+        <p:nvSpPr>
+          <p:cNvPr id="3" name="Rectangle 2">
+            <a:extLst>
+              <a:ext uri="{FF2B5EF4-FFF2-40B4-BE49-F238E27FC236}">
+                <a16:creationId xmlns:a16="http://schemas.microsoft.com/office/drawing/2014/main" id="{5EC127B8-8DE9-4A8C-8A3F-A58A5527875D}"/>
+              </a:ext>
+            </a:extLst>
+          </p:cNvPr>
+          <p:cNvSpPr/>
+          <p:nvPr/>
+        </p:nvSpPr>
+        <p:spPr>
+          <a:xfrm>
+            <a:off x="2674834" y="5315483"/>
+            <a:ext cx="6580262" cy="646331"/>
+          </a:xfrm>
+          <a:prstGeom prst="rect">
+            <a:avLst/>
+          </a:prstGeom>
+        </p:spPr>
+        <p:txBody>
+          <a:bodyPr wrap="square">
+            <a:spAutoFit/>
+          </a:bodyPr>
+          <a:lstStyle/>
+          <a:p>
+            <a:pPr lvl="0"/>
+            <a:r>
+              <a:rPr lang="en-US" dirty="0">
+                <a:solidFill>
+                  <a:prstClr val="black"/>
+                </a:solidFill>
+                <a:hlinkClick r:id="rId3">
+                  <a:extLst>
+                    <a:ext uri="{A12FA001-AC4F-418D-AE19-62706E023703}">
+                      <ahyp:hlinkClr xmlns:ahyp="http://schemas.microsoft.com/office/drawing/2018/hyperlinkcolor" val="tx"/>
+                    </a:ext>
+                  </a:extLst>
+                </a:hlinkClick>
+              </a:rPr>
+              <a:t>https://www.weforum.org/agenda/2019/06/canada-now-leads-the-world-in-refugee-resettlement-surpassing-the-u-s/</a:t>
+            </a:r>
+            <a:endParaRPr lang="en-US" dirty="0">
+              <a:solidFill>
+                <a:prstClr val="black"/>
+              </a:solidFill>
+              <a:hlinkClick r:id="rId4">
+                <a:extLst>
+                  <a:ext uri="{A12FA001-AC4F-418D-AE19-62706E023703}">
+                    <ahyp:hlinkClr xmlns:ahyp="http://schemas.microsoft.com/office/drawing/2018/hyperlinkcolor" val="tx"/>
+                  </a:ext>
+                </a:extLst>
+              </a:hlinkClick>
+            </a:endParaRPr>
+          </a:p>
+        </p:txBody>
+      </p:sp>
+    </p:spTree>
+    <p:extLst>
+      <p:ext uri="{BB962C8B-B14F-4D97-AF65-F5344CB8AC3E}">
+        <p14:creationId xmlns:p14="http://schemas.microsoft.com/office/powerpoint/2010/main" val="1561186117"/>
+      </p:ext>
+    </p:extLst>
+  </p:cSld>
+  <p:clrMapOvr>
+    <a:masterClrMapping/>
+  </p:clrMapOvr>
+  <mc:AlternateContent xmlns:mc="http://schemas.openxmlformats.org/markup-compatibility/2006" xmlns:p14="http://schemas.microsoft.com/office/powerpoint/2010/main">
+    <mc:Choice Requires="p14">
+      <p:transition spd="med" p14:dur="700">
+        <p:fade/>
+      </p:transition>
+    </mc:Choice>
+    <mc:Fallback xmlns="">
+      <p:transition spd="med">
+        <p:fade/>
+      </p:transition>
+    </mc:Fallback>
+  </mc:AlternateContent>
+</p:sld>
+</file>
+
+<file path=ppt/slides/slide7.xml><?xml version="1.0" encoding="utf-8"?>
+<p:sld xmlns:a="http://schemas.openxmlformats.org/drawingml/2006/main" xmlns:r="http://schemas.openxmlformats.org/officeDocument/2006/relationships" xmlns:p="http://schemas.openxmlformats.org/presentationml/2006/main">
+  <p:cSld>
+    <p:spTree>
+      <p:nvGrpSpPr>
+        <p:cNvPr id="1" name=""/>
+        <p:cNvGrpSpPr/>
+        <p:nvPr/>
+      </p:nvGrpSpPr>
+      <p:grpSpPr>
+        <a:xfrm>
+          <a:off x="0" y="0"/>
+          <a:ext cx="0" cy="0"/>
+          <a:chOff x="0" y="0"/>
+          <a:chExt cx="0" cy="0"/>
+        </a:xfrm>
+      </p:grpSpPr>
+      <p:sp>
+        <p:nvSpPr>
           <p:cNvPr id="2" name="Title 1"/>
           <p:cNvSpPr>
             <a:spLocks noGrp="1"/>
@@ -7415,6 +7813,7 @@
           <a:bodyPr/>
           <a:lstStyle/>
           <a:p>
+            <a:pPr algn="ctr"/>
             <a:r>
               <a:rPr lang="en-US" dirty="0"/>
               <a:t>         Refugees Resilience and Struggles </a:t>
@@ -7450,7 +7849,7 @@
           <a:p>
             <a:r>
               <a:rPr lang="en-US" dirty="0"/>
-              <a:t>By land, sea, or air with little to nothing.</a:t>
+              <a:t>By land, sea, or air with only their lives.</a:t>
             </a:r>
           </a:p>
           <a:p>
@@ -7462,7 +7861,7 @@
           <a:p>
             <a:r>
               <a:rPr lang="en-US" dirty="0"/>
-              <a:t>A lot suffer from PTSD especially little kids.</a:t>
+              <a:t>Refugees suffer from (PTSD) especially kids.</a:t>
             </a:r>
           </a:p>
           <a:p>
@@ -7539,7 +7938,7 @@
 </p:sld>
 </file>
 
-<file path=ppt/slides/slide7.xml><?xml version="1.0" encoding="utf-8"?>
+<file path=ppt/slides/slide8.xml><?xml version="1.0" encoding="utf-8"?>
 <p:sld xmlns:a="http://schemas.openxmlformats.org/drawingml/2006/main" xmlns:r="http://schemas.openxmlformats.org/officeDocument/2006/relationships" xmlns:p="http://schemas.openxmlformats.org/presentationml/2006/main">
   <p:cSld>
     <p:spTree>
@@ -7571,6 +7970,7 @@
           <a:bodyPr/>
           <a:lstStyle/>
           <a:p>
+            <a:pPr algn="ctr"/>
             <a:r>
               <a:rPr lang="en-US" dirty="0"/>
               <a:t>              Finding and Recommendations </a:t>
@@ -7624,7 +8024,7 @@
           <a:p>
             <a:r>
               <a:rPr lang="en-US" dirty="0"/>
-              <a:t>Improve Health Care and Education programs that more geared towards immigrant families, especially refugees.</a:t>
+              <a:t>Improve Health Care and Education programs that’s more geared towards immigrant families, especially refugees.</a:t>
             </a:r>
           </a:p>
           <a:p>
@@ -7665,8 +8065,8 @@
         </p:blipFill>
         <p:spPr>
           <a:xfrm>
-            <a:off x="7160829" y="1353312"/>
-            <a:ext cx="4088418" cy="1878986"/>
+            <a:off x="7160828" y="1353311"/>
+            <a:ext cx="4237273" cy="2399981"/>
           </a:xfrm>
         </p:spPr>
       </p:pic>
@@ -7692,8 +8092,8 @@
         </p:blipFill>
         <p:spPr>
           <a:xfrm>
-            <a:off x="7160829" y="3327990"/>
-            <a:ext cx="4088417" cy="2533059"/>
+            <a:off x="7160829" y="3753293"/>
+            <a:ext cx="4237272" cy="2107756"/>
           </a:xfrm>
           <a:prstGeom prst="rect">
             <a:avLst/>
@@ -7725,7 +8125,7 @@
 </p:sld>
 </file>
 
-<file path=ppt/slides/slide8.xml><?xml version="1.0" encoding="utf-8"?>
+<file path=ppt/slides/slide9.xml><?xml version="1.0" encoding="utf-8"?>
 <p:sld xmlns:a="http://schemas.openxmlformats.org/drawingml/2006/main" xmlns:r="http://schemas.openxmlformats.org/officeDocument/2006/relationships" xmlns:p="http://schemas.openxmlformats.org/presentationml/2006/main">
   <p:cSld>
     <p:spTree>
@@ -7759,9 +8159,10 @@
           </a:bodyPr>
           <a:lstStyle/>
           <a:p>
+            <a:pPr algn="ctr"/>
             <a:r>
               <a:rPr lang="en-US" dirty="0"/>
-              <a:t>     Refugee Local and International Agencies</a:t>
+              <a:t>     Local and International Refugee Agencies</a:t>
             </a:r>
           </a:p>
         </p:txBody>
@@ -7844,8 +8245,8 @@
         </p:blipFill>
         <p:spPr>
           <a:xfrm>
-            <a:off x="894910" y="3593805"/>
-            <a:ext cx="5201090" cy="2121195"/>
+            <a:off x="894910" y="3296093"/>
+            <a:ext cx="5201090" cy="2418908"/>
           </a:xfrm>
           <a:prstGeom prst="rect">
             <a:avLst/>
@@ -7875,7 +8276,7 @@
         <p:spPr>
           <a:xfrm>
             <a:off x="894910" y="1922586"/>
-            <a:ext cx="5201090" cy="1561492"/>
+            <a:ext cx="5201090" cy="1286959"/>
           </a:xfrm>
           <a:prstGeom prst="rect">
             <a:avLst/>
@@ -7946,133 +8347,6 @@
     <p:extLst>
       <p:ext uri="{BB962C8B-B14F-4D97-AF65-F5344CB8AC3E}">
         <p14:creationId xmlns:p14="http://schemas.microsoft.com/office/powerpoint/2010/main" val="1689357796"/>
-      </p:ext>
-    </p:extLst>
-  </p:cSld>
-  <p:clrMapOvr>
-    <a:masterClrMapping/>
-  </p:clrMapOvr>
-  <mc:AlternateContent xmlns:mc="http://schemas.openxmlformats.org/markup-compatibility/2006" xmlns:p14="http://schemas.microsoft.com/office/powerpoint/2010/main">
-    <mc:Choice Requires="p14">
-      <p:transition spd="med" p14:dur="700">
-        <p:fade/>
-      </p:transition>
-    </mc:Choice>
-    <mc:Fallback xmlns="">
-      <p:transition spd="med">
-        <p:fade/>
-      </p:transition>
-    </mc:Fallback>
-  </mc:AlternateContent>
-</p:sld>
-</file>
-
-<file path=ppt/slides/slide9.xml><?xml version="1.0" encoding="utf-8"?>
-<p:sld xmlns:a="http://schemas.openxmlformats.org/drawingml/2006/main" xmlns:r="http://schemas.openxmlformats.org/officeDocument/2006/relationships" xmlns:p="http://schemas.openxmlformats.org/presentationml/2006/main">
-  <p:cSld>
-    <p:spTree>
-      <p:nvGrpSpPr>
-        <p:cNvPr id="1" name=""/>
-        <p:cNvGrpSpPr/>
-        <p:nvPr/>
-      </p:nvGrpSpPr>
-      <p:grpSpPr>
-        <a:xfrm>
-          <a:off x="0" y="0"/>
-          <a:ext cx="0" cy="0"/>
-          <a:chOff x="0" y="0"/>
-          <a:chExt cx="0" cy="0"/>
-        </a:xfrm>
-      </p:grpSpPr>
-      <p:sp>
-        <p:nvSpPr>
-          <p:cNvPr id="6" name="Title 5"/>
-          <p:cNvSpPr>
-            <a:spLocks noGrp="1"/>
-          </p:cNvSpPr>
-          <p:nvPr>
-            <p:ph type="title"/>
-          </p:nvPr>
-        </p:nvSpPr>
-        <p:spPr>
-          <a:xfrm>
-            <a:off x="1341120" y="141886"/>
-            <a:ext cx="9509759" cy="1088136"/>
-          </a:xfrm>
-        </p:spPr>
-        <p:txBody>
-          <a:bodyPr/>
-          <a:lstStyle/>
-          <a:p>
-            <a:r>
-              <a:rPr lang="en-US" dirty="0"/>
-              <a:t>                             References </a:t>
-            </a:r>
-          </a:p>
-        </p:txBody>
-      </p:sp>
-      <p:sp>
-        <p:nvSpPr>
-          <p:cNvPr id="4" name="Rectangle 3">
-            <a:extLst>
-              <a:ext uri="{FF2B5EF4-FFF2-40B4-BE49-F238E27FC236}">
-                <a16:creationId xmlns:a16="http://schemas.microsoft.com/office/drawing/2014/main" id="{7053917B-42E6-468F-B55B-693A7AB8442B}"/>
-              </a:ext>
-            </a:extLst>
-          </p:cNvPr>
-          <p:cNvSpPr/>
-          <p:nvPr/>
-        </p:nvSpPr>
-        <p:spPr>
-          <a:xfrm>
-            <a:off x="2404153" y="1945662"/>
-            <a:ext cx="7561780" cy="1754326"/>
-          </a:xfrm>
-          <a:prstGeom prst="rect">
-            <a:avLst/>
-          </a:prstGeom>
-        </p:spPr>
-        <p:txBody>
-          <a:bodyPr wrap="square">
-            <a:spAutoFit/>
-          </a:bodyPr>
-          <a:lstStyle/>
-          <a:p>
-            <a:r>
-              <a:rPr lang="en-US" dirty="0">
-                <a:hlinkClick r:id="rId2"/>
-              </a:rPr>
-              <a:t>https://www.wrapsnet.org/admissions-and-arrivals/</a:t>
-            </a:r>
-            <a:endParaRPr lang="en-US" dirty="0"/>
-          </a:p>
-          <a:p>
-            <a:r>
-              <a:rPr lang="en-US" dirty="0">
-                <a:hlinkClick r:id="rId2"/>
-              </a:rPr>
-              <a:t>https://www.migrationpolicy.org/proghttps://immigrationforum.org/article/fact-sheet-u-s-refugee-resettlement/rams/data-hub/charts/immigrant-population-over-time</a:t>
-            </a:r>
-            <a:endParaRPr lang="en-US" dirty="0"/>
-          </a:p>
-          <a:p>
-            <a:r>
-              <a:rPr lang="en-US" dirty="0">
-                <a:hlinkClick r:id="rId2"/>
-              </a:rPr>
-              <a:t>https://www.dhs.gov/immigration-statistics/refugees-asylees</a:t>
-            </a:r>
-            <a:endParaRPr lang="en-US" dirty="0"/>
-          </a:p>
-          <a:p>
-            <a:endParaRPr lang="en-US" dirty="0"/>
-          </a:p>
-        </p:txBody>
-      </p:sp>
-    </p:spTree>
-    <p:extLst>
-      <p:ext uri="{BB962C8B-B14F-4D97-AF65-F5344CB8AC3E}">
-        <p14:creationId xmlns:p14="http://schemas.microsoft.com/office/powerpoint/2010/main" val="212726890"/>
       </p:ext>
     </p:extLst>
   </p:cSld>
